--- a/DS_Sat_2019/DS-Day-12 R.pptx
+++ b/DS_Sat_2019/DS-Day-12 R.pptx
@@ -5,12 +5,13 @@
     <p:sldMasterId id="2147483781" r:id="rId1"/>
   </p:sldMasterIdLst>
   <p:notesMasterIdLst>
-    <p:notesMasterId r:id="rId5"/>
+    <p:notesMasterId r:id="rId6"/>
   </p:notesMasterIdLst>
   <p:sldIdLst>
     <p:sldId id="292" r:id="rId2"/>
     <p:sldId id="297" r:id="rId3"/>
-    <p:sldId id="299" r:id="rId4"/>
+    <p:sldId id="293" r:id="rId4"/>
+    <p:sldId id="296" r:id="rId5"/>
   </p:sldIdLst>
   <p:sldSz cx="9144000" cy="6858000" type="screen4x3"/>
   <p:notesSz cx="6858000" cy="9144000"/>
@@ -199,7 +200,7 @@
           <a:p>
             <a:fld id="{22783AA6-C1EF-448D-A48A-EF30DCBEFCCC}" type="datetimeFigureOut">
               <a:rPr lang="en-US" smtClean="0"/>
-              <a:t>4/20/19</a:t>
+              <a:t>11/15/2018</a:t>
             </a:fld>
             <a:endParaRPr lang="en-US"/>
           </a:p>
@@ -263,35 +264,35 @@
           <a:p>
             <a:pPr lvl="0"/>
             <a:r>
-              <a:rPr lang="ru-RU"/>
+              <a:rPr lang="ru-RU" smtClean="0"/>
               <a:t>Образец текста</a:t>
             </a:r>
           </a:p>
           <a:p>
             <a:pPr lvl="1"/>
             <a:r>
-              <a:rPr lang="ru-RU"/>
+              <a:rPr lang="ru-RU" smtClean="0"/>
               <a:t>Второй уровень</a:t>
             </a:r>
           </a:p>
           <a:p>
             <a:pPr lvl="2"/>
             <a:r>
-              <a:rPr lang="ru-RU"/>
+              <a:rPr lang="ru-RU" smtClean="0"/>
               <a:t>Третий уровень</a:t>
             </a:r>
           </a:p>
           <a:p>
             <a:pPr lvl="3"/>
             <a:r>
-              <a:rPr lang="ru-RU"/>
+              <a:rPr lang="ru-RU" smtClean="0"/>
               <a:t>Четвертый уровень</a:t>
             </a:r>
           </a:p>
           <a:p>
             <a:pPr lvl="4"/>
             <a:r>
-              <a:rPr lang="ru-RU"/>
+              <a:rPr lang="ru-RU" smtClean="0"/>
               <a:t>Пятый уровень</a:t>
             </a:r>
             <a:endParaRPr lang="en-US"/>
@@ -763,7 +764,109 @@
     </p:spTree>
     <p:extLst>
       <p:ext uri="{BB962C8B-B14F-4D97-AF65-F5344CB8AC3E}">
-        <p14:creationId xmlns:p14="http://schemas.microsoft.com/office/powerpoint/2010/main" val="3797163505"/>
+        <p14:creationId xmlns:p14="http://schemas.microsoft.com/office/powerpoint/2010/main" val="3212116662"/>
+      </p:ext>
+    </p:extLst>
+  </p:cSld>
+  <p:clrMapOvr>
+    <a:masterClrMapping/>
+  </p:clrMapOvr>
+</p:notes>
+</file>
+
+<file path=ppt/notesSlides/notesSlide4.xml><?xml version="1.0" encoding="utf-8"?>
+<p:notes xmlns:a="http://schemas.openxmlformats.org/drawingml/2006/main" xmlns:r="http://schemas.openxmlformats.org/officeDocument/2006/relationships" xmlns:p="http://schemas.openxmlformats.org/presentationml/2006/main">
+  <p:cSld>
+    <p:spTree>
+      <p:nvGrpSpPr>
+        <p:cNvPr id="1" name=""/>
+        <p:cNvGrpSpPr/>
+        <p:nvPr/>
+      </p:nvGrpSpPr>
+      <p:grpSpPr>
+        <a:xfrm>
+          <a:off x="0" y="0"/>
+          <a:ext cx="0" cy="0"/>
+          <a:chOff x="0" y="0"/>
+          <a:chExt cx="0" cy="0"/>
+        </a:xfrm>
+      </p:grpSpPr>
+      <p:sp>
+        <p:nvSpPr>
+          <p:cNvPr id="2" name="Образ слайда 1"/>
+          <p:cNvSpPr>
+            <a:spLocks noGrp="1" noRot="1" noChangeAspect="1"/>
+          </p:cNvSpPr>
+          <p:nvPr>
+            <p:ph type="sldImg"/>
+          </p:nvPr>
+        </p:nvSpPr>
+        <p:spPr>
+          <a:xfrm>
+            <a:off x="896938" y="746125"/>
+            <a:ext cx="4967287" cy="3727450"/>
+          </a:xfrm>
+        </p:spPr>
+      </p:sp>
+      <p:sp>
+        <p:nvSpPr>
+          <p:cNvPr id="3" name="Заметки 2"/>
+          <p:cNvSpPr>
+            <a:spLocks noGrp="1"/>
+          </p:cNvSpPr>
+          <p:nvPr>
+            <p:ph type="body" idx="1"/>
+          </p:nvPr>
+        </p:nvSpPr>
+        <p:spPr/>
+        <p:txBody>
+          <a:bodyPr>
+            <a:normAutofit/>
+          </a:bodyPr>
+          <a:lstStyle/>
+          <a:p>
+            <a:endParaRPr lang="ru-RU" sz="1400" dirty="0">
+              <a:latin typeface="+mn-lt"/>
+            </a:endParaRPr>
+          </a:p>
+        </p:txBody>
+      </p:sp>
+      <p:sp>
+        <p:nvSpPr>
+          <p:cNvPr id="4" name="Номер слайда 3"/>
+          <p:cNvSpPr>
+            <a:spLocks noGrp="1"/>
+          </p:cNvSpPr>
+          <p:nvPr>
+            <p:ph type="sldNum" sz="quarter" idx="10"/>
+          </p:nvPr>
+        </p:nvSpPr>
+        <p:spPr/>
+        <p:txBody>
+          <a:bodyPr/>
+          <a:lstStyle/>
+          <a:p>
+            <a:fld id="{A868C670-7DD8-483E-B635-2FC3EA348D84}" type="slidenum">
+              <a:rPr lang="ru-RU" smtClean="0">
+                <a:solidFill>
+                  <a:prstClr val="black"/>
+                </a:solidFill>
+              </a:rPr>
+              <a:pPr/>
+              <a:t>4</a:t>
+            </a:fld>
+            <a:endParaRPr lang="ru-RU">
+              <a:solidFill>
+                <a:prstClr val="black"/>
+              </a:solidFill>
+            </a:endParaRPr>
+          </a:p>
+        </p:txBody>
+      </p:sp>
+    </p:spTree>
+    <p:extLst>
+      <p:ext uri="{BB962C8B-B14F-4D97-AF65-F5344CB8AC3E}">
+        <p14:creationId xmlns:p14="http://schemas.microsoft.com/office/powerpoint/2010/main" val="718775827"/>
       </p:ext>
     </p:extLst>
   </p:cSld>
@@ -817,7 +920,7 @@
           </a:lstStyle>
           <a:p>
             <a:r>
-              <a:rPr lang="ru-RU"/>
+              <a:rPr lang="ru-RU" smtClean="0"/>
               <a:t>Образец заголовка</a:t>
             </a:r>
             <a:endParaRPr lang="en-US" dirty="0"/>
@@ -891,7 +994,7 @@
           </a:lstStyle>
           <a:p>
             <a:r>
-              <a:rPr lang="ru-RU"/>
+              <a:rPr lang="ru-RU" smtClean="0"/>
               <a:t>Образец подзаголовка</a:t>
             </a:r>
             <a:endParaRPr lang="en-US" dirty="0"/>
@@ -915,7 +1018,7 @@
           <a:p>
             <a:fld id="{C14F4D0B-68E4-4C14-BD4D-319F9BD213A3}" type="datetimeFigureOut">
               <a:rPr lang="ru-RU" smtClean="0"/>
-              <a:t>20.04.2019</a:t>
+              <a:t>15.11.2018</a:t>
             </a:fld>
             <a:endParaRPr lang="ru-RU"/>
           </a:p>
@@ -1009,7 +1112,7 @@
           <a:lstStyle/>
           <a:p>
             <a:r>
-              <a:rPr lang="ru-RU"/>
+              <a:rPr lang="ru-RU" smtClean="0"/>
               <a:t>Образец заголовка</a:t>
             </a:r>
             <a:endParaRPr lang="en-US"/>
@@ -1033,35 +1136,35 @@
           <a:p>
             <a:pPr lvl="0"/>
             <a:r>
-              <a:rPr lang="ru-RU"/>
+              <a:rPr lang="ru-RU" smtClean="0"/>
               <a:t>Образец текста</a:t>
             </a:r>
           </a:p>
           <a:p>
             <a:pPr lvl="1"/>
             <a:r>
-              <a:rPr lang="ru-RU"/>
+              <a:rPr lang="ru-RU" smtClean="0"/>
               <a:t>Второй уровень</a:t>
             </a:r>
           </a:p>
           <a:p>
             <a:pPr lvl="2"/>
             <a:r>
-              <a:rPr lang="ru-RU"/>
+              <a:rPr lang="ru-RU" smtClean="0"/>
               <a:t>Третий уровень</a:t>
             </a:r>
           </a:p>
           <a:p>
             <a:pPr lvl="3"/>
             <a:r>
-              <a:rPr lang="ru-RU"/>
+              <a:rPr lang="ru-RU" smtClean="0"/>
               <a:t>Четвертый уровень</a:t>
             </a:r>
           </a:p>
           <a:p>
             <a:pPr lvl="4"/>
             <a:r>
-              <a:rPr lang="ru-RU"/>
+              <a:rPr lang="ru-RU" smtClean="0"/>
               <a:t>Пятый уровень</a:t>
             </a:r>
             <a:endParaRPr lang="en-US" dirty="0"/>
@@ -1085,7 +1188,7 @@
           <a:p>
             <a:fld id="{C14F4D0B-68E4-4C14-BD4D-319F9BD213A3}" type="datetimeFigureOut">
               <a:rPr lang="ru-RU" smtClean="0"/>
-              <a:t>20.04.2019</a:t>
+              <a:t>15.11.2018</a:t>
             </a:fld>
             <a:endParaRPr lang="ru-RU"/>
           </a:p>
@@ -1184,7 +1287,7 @@
           <a:lstStyle/>
           <a:p>
             <a:r>
-              <a:rPr lang="ru-RU"/>
+              <a:rPr lang="ru-RU" smtClean="0"/>
               <a:t>Образец заголовка</a:t>
             </a:r>
             <a:endParaRPr lang="en-US"/>
@@ -1213,35 +1316,35 @@
           <a:p>
             <a:pPr lvl="0"/>
             <a:r>
-              <a:rPr lang="ru-RU"/>
+              <a:rPr lang="ru-RU" smtClean="0"/>
               <a:t>Образец текста</a:t>
             </a:r>
           </a:p>
           <a:p>
             <a:pPr lvl="1"/>
             <a:r>
-              <a:rPr lang="ru-RU"/>
+              <a:rPr lang="ru-RU" smtClean="0"/>
               <a:t>Второй уровень</a:t>
             </a:r>
           </a:p>
           <a:p>
             <a:pPr lvl="2"/>
             <a:r>
-              <a:rPr lang="ru-RU"/>
+              <a:rPr lang="ru-RU" smtClean="0"/>
               <a:t>Третий уровень</a:t>
             </a:r>
           </a:p>
           <a:p>
             <a:pPr lvl="3"/>
             <a:r>
-              <a:rPr lang="ru-RU"/>
+              <a:rPr lang="ru-RU" smtClean="0"/>
               <a:t>Четвертый уровень</a:t>
             </a:r>
           </a:p>
           <a:p>
             <a:pPr lvl="4"/>
             <a:r>
-              <a:rPr lang="ru-RU"/>
+              <a:rPr lang="ru-RU" smtClean="0"/>
               <a:t>Пятый уровень</a:t>
             </a:r>
             <a:endParaRPr lang="en-US"/>
@@ -1265,7 +1368,7 @@
           <a:p>
             <a:fld id="{C14F4D0B-68E4-4C14-BD4D-319F9BD213A3}" type="datetimeFigureOut">
               <a:rPr lang="ru-RU" smtClean="0"/>
-              <a:t>20.04.2019</a:t>
+              <a:t>15.11.2018</a:t>
             </a:fld>
             <a:endParaRPr lang="ru-RU"/>
           </a:p>
@@ -1359,7 +1462,7 @@
           <a:lstStyle/>
           <a:p>
             <a:r>
-              <a:rPr lang="ru-RU"/>
+              <a:rPr lang="ru-RU" smtClean="0"/>
               <a:t>Образец заголовка</a:t>
             </a:r>
             <a:endParaRPr lang="en-US" dirty="0"/>
@@ -1383,35 +1486,35 @@
           <a:p>
             <a:pPr lvl="0"/>
             <a:r>
-              <a:rPr lang="ru-RU"/>
+              <a:rPr lang="ru-RU" smtClean="0"/>
               <a:t>Образец текста</a:t>
             </a:r>
           </a:p>
           <a:p>
             <a:pPr lvl="1"/>
             <a:r>
-              <a:rPr lang="ru-RU"/>
+              <a:rPr lang="ru-RU" smtClean="0"/>
               <a:t>Второй уровень</a:t>
             </a:r>
           </a:p>
           <a:p>
             <a:pPr lvl="2"/>
             <a:r>
-              <a:rPr lang="ru-RU"/>
+              <a:rPr lang="ru-RU" smtClean="0"/>
               <a:t>Третий уровень</a:t>
             </a:r>
           </a:p>
           <a:p>
             <a:pPr lvl="3"/>
             <a:r>
-              <a:rPr lang="ru-RU"/>
+              <a:rPr lang="ru-RU" smtClean="0"/>
               <a:t>Четвертый уровень</a:t>
             </a:r>
           </a:p>
           <a:p>
             <a:pPr lvl="4"/>
             <a:r>
-              <a:rPr lang="ru-RU"/>
+              <a:rPr lang="ru-RU" smtClean="0"/>
               <a:t>Пятый уровень</a:t>
             </a:r>
             <a:endParaRPr lang="en-US" dirty="0"/>
@@ -1435,7 +1538,7 @@
           <a:p>
             <a:fld id="{C14F4D0B-68E4-4C14-BD4D-319F9BD213A3}" type="datetimeFigureOut">
               <a:rPr lang="ru-RU" smtClean="0"/>
-              <a:t>20.04.2019</a:t>
+              <a:t>15.11.2018</a:t>
             </a:fld>
             <a:endParaRPr lang="ru-RU"/>
           </a:p>
@@ -1540,7 +1643,7 @@
           </a:lstStyle>
           <a:p>
             <a:r>
-              <a:rPr lang="ru-RU"/>
+              <a:rPr lang="ru-RU" smtClean="0"/>
               <a:t>Образец заголовка</a:t>
             </a:r>
             <a:endParaRPr lang="en-US" dirty="0"/>
@@ -1663,7 +1766,7 @@
           <a:p>
             <a:pPr lvl="0"/>
             <a:r>
-              <a:rPr lang="ru-RU"/>
+              <a:rPr lang="ru-RU" smtClean="0"/>
               <a:t>Образец текста</a:t>
             </a:r>
           </a:p>
@@ -1686,7 +1789,7 @@
           <a:p>
             <a:fld id="{C14F4D0B-68E4-4C14-BD4D-319F9BD213A3}" type="datetimeFigureOut">
               <a:rPr lang="ru-RU" smtClean="0"/>
-              <a:t>20.04.2019</a:t>
+              <a:t>15.11.2018</a:t>
             </a:fld>
             <a:endParaRPr lang="ru-RU"/>
           </a:p>
@@ -1780,7 +1883,7 @@
           <a:lstStyle/>
           <a:p>
             <a:r>
-              <a:rPr lang="ru-RU"/>
+              <a:rPr lang="ru-RU" smtClean="0"/>
               <a:t>Образец заголовка</a:t>
             </a:r>
             <a:endParaRPr lang="en-US" dirty="0"/>
@@ -1809,35 +1912,35 @@
           <a:p>
             <a:pPr lvl="0"/>
             <a:r>
-              <a:rPr lang="ru-RU"/>
+              <a:rPr lang="ru-RU" smtClean="0"/>
               <a:t>Образец текста</a:t>
             </a:r>
           </a:p>
           <a:p>
             <a:pPr lvl="1"/>
             <a:r>
-              <a:rPr lang="ru-RU"/>
+              <a:rPr lang="ru-RU" smtClean="0"/>
               <a:t>Второй уровень</a:t>
             </a:r>
           </a:p>
           <a:p>
             <a:pPr lvl="2"/>
             <a:r>
-              <a:rPr lang="ru-RU"/>
+              <a:rPr lang="ru-RU" smtClean="0"/>
               <a:t>Третий уровень</a:t>
             </a:r>
           </a:p>
           <a:p>
             <a:pPr lvl="3"/>
             <a:r>
-              <a:rPr lang="ru-RU"/>
+              <a:rPr lang="ru-RU" smtClean="0"/>
               <a:t>Четвертый уровень</a:t>
             </a:r>
           </a:p>
           <a:p>
             <a:pPr lvl="4"/>
             <a:r>
-              <a:rPr lang="ru-RU"/>
+              <a:rPr lang="ru-RU" smtClean="0"/>
               <a:t>Пятый уровень</a:t>
             </a:r>
             <a:endParaRPr lang="en-US" dirty="0"/>
@@ -1866,35 +1969,35 @@
           <a:p>
             <a:pPr lvl="0"/>
             <a:r>
-              <a:rPr lang="ru-RU"/>
+              <a:rPr lang="ru-RU" smtClean="0"/>
               <a:t>Образец текста</a:t>
             </a:r>
           </a:p>
           <a:p>
             <a:pPr lvl="1"/>
             <a:r>
-              <a:rPr lang="ru-RU"/>
+              <a:rPr lang="ru-RU" smtClean="0"/>
               <a:t>Второй уровень</a:t>
             </a:r>
           </a:p>
           <a:p>
             <a:pPr lvl="2"/>
             <a:r>
-              <a:rPr lang="ru-RU"/>
+              <a:rPr lang="ru-RU" smtClean="0"/>
               <a:t>Третий уровень</a:t>
             </a:r>
           </a:p>
           <a:p>
             <a:pPr lvl="3"/>
             <a:r>
-              <a:rPr lang="ru-RU"/>
+              <a:rPr lang="ru-RU" smtClean="0"/>
               <a:t>Четвертый уровень</a:t>
             </a:r>
           </a:p>
           <a:p>
             <a:pPr lvl="4"/>
             <a:r>
-              <a:rPr lang="ru-RU"/>
+              <a:rPr lang="ru-RU" smtClean="0"/>
               <a:t>Пятый уровень</a:t>
             </a:r>
             <a:endParaRPr lang="en-US" dirty="0"/>
@@ -1918,7 +2021,7 @@
           <a:p>
             <a:fld id="{C14F4D0B-68E4-4C14-BD4D-319F9BD213A3}" type="datetimeFigureOut">
               <a:rPr lang="ru-RU" smtClean="0"/>
-              <a:t>20.04.2019</a:t>
+              <a:t>15.11.2018</a:t>
             </a:fld>
             <a:endParaRPr lang="ru-RU"/>
           </a:p>
@@ -2060,7 +2163,7 @@
           <a:p>
             <a:pPr lvl="0"/>
             <a:r>
-              <a:rPr lang="ru-RU"/>
+              <a:rPr lang="ru-RU" smtClean="0"/>
               <a:t>Образец текста</a:t>
             </a:r>
           </a:p>
@@ -2088,35 +2191,35 @@
           <a:p>
             <a:pPr lvl="0"/>
             <a:r>
-              <a:rPr lang="ru-RU"/>
+              <a:rPr lang="ru-RU" smtClean="0"/>
               <a:t>Образец текста</a:t>
             </a:r>
           </a:p>
           <a:p>
             <a:pPr lvl="1"/>
             <a:r>
-              <a:rPr lang="ru-RU"/>
+              <a:rPr lang="ru-RU" smtClean="0"/>
               <a:t>Второй уровень</a:t>
             </a:r>
           </a:p>
           <a:p>
             <a:pPr lvl="2"/>
             <a:r>
-              <a:rPr lang="ru-RU"/>
+              <a:rPr lang="ru-RU" smtClean="0"/>
               <a:t>Третий уровень</a:t>
             </a:r>
           </a:p>
           <a:p>
             <a:pPr lvl="3"/>
             <a:r>
-              <a:rPr lang="ru-RU"/>
+              <a:rPr lang="ru-RU" smtClean="0"/>
               <a:t>Четвертый уровень</a:t>
             </a:r>
           </a:p>
           <a:p>
             <a:pPr lvl="4"/>
             <a:r>
-              <a:rPr lang="ru-RU"/>
+              <a:rPr lang="ru-RU" smtClean="0"/>
               <a:t>Пятый уровень</a:t>
             </a:r>
             <a:endParaRPr lang="en-US" dirty="0"/>
@@ -2185,7 +2288,7 @@
           <a:p>
             <a:pPr lvl="0"/>
             <a:r>
-              <a:rPr lang="ru-RU"/>
+              <a:rPr lang="ru-RU" smtClean="0"/>
               <a:t>Образец текста</a:t>
             </a:r>
           </a:p>
@@ -2213,35 +2316,35 @@
           <a:p>
             <a:pPr lvl="0"/>
             <a:r>
-              <a:rPr lang="ru-RU"/>
+              <a:rPr lang="ru-RU" smtClean="0"/>
               <a:t>Образец текста</a:t>
             </a:r>
           </a:p>
           <a:p>
             <a:pPr lvl="1"/>
             <a:r>
-              <a:rPr lang="ru-RU"/>
+              <a:rPr lang="ru-RU" smtClean="0"/>
               <a:t>Второй уровень</a:t>
             </a:r>
           </a:p>
           <a:p>
             <a:pPr lvl="2"/>
             <a:r>
-              <a:rPr lang="ru-RU"/>
+              <a:rPr lang="ru-RU" smtClean="0"/>
               <a:t>Третий уровень</a:t>
             </a:r>
           </a:p>
           <a:p>
             <a:pPr lvl="3"/>
             <a:r>
-              <a:rPr lang="ru-RU"/>
+              <a:rPr lang="ru-RU" smtClean="0"/>
               <a:t>Четвертый уровень</a:t>
             </a:r>
           </a:p>
           <a:p>
             <a:pPr lvl="4"/>
             <a:r>
-              <a:rPr lang="ru-RU"/>
+              <a:rPr lang="ru-RU" smtClean="0"/>
               <a:t>Пятый уровень</a:t>
             </a:r>
             <a:endParaRPr lang="en-US"/>
@@ -2265,7 +2368,7 @@
           <a:p>
             <a:fld id="{C14F4D0B-68E4-4C14-BD4D-319F9BD213A3}" type="datetimeFigureOut">
               <a:rPr lang="ru-RU" smtClean="0"/>
-              <a:t>20.04.2019</a:t>
+              <a:t>15.11.2018</a:t>
             </a:fld>
             <a:endParaRPr lang="ru-RU"/>
           </a:p>
@@ -2329,7 +2432,7 @@
           <a:lstStyle/>
           <a:p>
             <a:r>
-              <a:rPr lang="ru-RU"/>
+              <a:rPr lang="ru-RU" smtClean="0"/>
               <a:t>Образец заголовка</a:t>
             </a:r>
             <a:endParaRPr lang="en-US" dirty="0"/>
@@ -2383,7 +2486,7 @@
           <a:p>
             <a:fld id="{C14F4D0B-68E4-4C14-BD4D-319F9BD213A3}" type="datetimeFigureOut">
               <a:rPr lang="ru-RU" smtClean="0"/>
-              <a:t>20.04.2019</a:t>
+              <a:t>15.11.2018</a:t>
             </a:fld>
             <a:endParaRPr lang="ru-RU"/>
           </a:p>
@@ -2447,7 +2550,7 @@
           <a:lstStyle/>
           <a:p>
             <a:r>
-              <a:rPr lang="ru-RU"/>
+              <a:rPr lang="ru-RU" smtClean="0"/>
               <a:t>Образец заголовка</a:t>
             </a:r>
             <a:endParaRPr lang="en-US"/>
@@ -2501,7 +2604,7 @@
           <a:p>
             <a:fld id="{C14F4D0B-68E4-4C14-BD4D-319F9BD213A3}" type="datetimeFigureOut">
               <a:rPr lang="ru-RU" smtClean="0"/>
-              <a:t>20.04.2019</a:t>
+              <a:t>15.11.2018</a:t>
             </a:fld>
             <a:endParaRPr lang="ru-RU"/>
           </a:p>
@@ -2606,7 +2709,7 @@
           </a:lstStyle>
           <a:p>
             <a:r>
-              <a:rPr lang="ru-RU"/>
+              <a:rPr lang="ru-RU" smtClean="0"/>
               <a:t>Образец заголовка</a:t>
             </a:r>
             <a:endParaRPr lang="en-US" dirty="0"/>
@@ -2663,35 +2766,35 @@
           <a:p>
             <a:pPr lvl="0"/>
             <a:r>
-              <a:rPr lang="ru-RU"/>
+              <a:rPr lang="ru-RU" smtClean="0"/>
               <a:t>Образец текста</a:t>
             </a:r>
           </a:p>
           <a:p>
             <a:pPr lvl="1"/>
             <a:r>
-              <a:rPr lang="ru-RU"/>
+              <a:rPr lang="ru-RU" smtClean="0"/>
               <a:t>Второй уровень</a:t>
             </a:r>
           </a:p>
           <a:p>
             <a:pPr lvl="2"/>
             <a:r>
-              <a:rPr lang="ru-RU"/>
+              <a:rPr lang="ru-RU" smtClean="0"/>
               <a:t>Третий уровень</a:t>
             </a:r>
           </a:p>
           <a:p>
             <a:pPr lvl="3"/>
             <a:r>
-              <a:rPr lang="ru-RU"/>
+              <a:rPr lang="ru-RU" smtClean="0"/>
               <a:t>Четвертый уровень</a:t>
             </a:r>
           </a:p>
           <a:p>
             <a:pPr lvl="4"/>
             <a:r>
-              <a:rPr lang="ru-RU"/>
+              <a:rPr lang="ru-RU" smtClean="0"/>
               <a:t>Пятый уровень</a:t>
             </a:r>
             <a:endParaRPr lang="en-US" dirty="0"/>
@@ -2762,7 +2865,7 @@
           <a:p>
             <a:pPr lvl="0"/>
             <a:r>
-              <a:rPr lang="ru-RU"/>
+              <a:rPr lang="ru-RU" smtClean="0"/>
               <a:t>Образец текста</a:t>
             </a:r>
           </a:p>
@@ -2785,7 +2888,7 @@
           <a:p>
             <a:fld id="{C14F4D0B-68E4-4C14-BD4D-319F9BD213A3}" type="datetimeFigureOut">
               <a:rPr lang="ru-RU" smtClean="0"/>
-              <a:t>20.04.2019</a:t>
+              <a:t>15.11.2018</a:t>
             </a:fld>
             <a:endParaRPr lang="ru-RU"/>
           </a:p>
@@ -2890,7 +2993,7 @@
           </a:lstStyle>
           <a:p>
             <a:r>
-              <a:rPr lang="ru-RU"/>
+              <a:rPr lang="ru-RU" smtClean="0"/>
               <a:t>Образец заголовка</a:t>
             </a:r>
             <a:endParaRPr lang="en-US" dirty="0"/>
@@ -2955,7 +3058,7 @@
           </a:lstStyle>
           <a:p>
             <a:r>
-              <a:rPr lang="ru-RU"/>
+              <a:rPr lang="ru-RU" smtClean="0"/>
               <a:t>Вставка рисунка</a:t>
             </a:r>
             <a:endParaRPr lang="en-US" dirty="0"/>
@@ -3026,7 +3129,7 @@
           <a:p>
             <a:pPr lvl="0"/>
             <a:r>
-              <a:rPr lang="ru-RU"/>
+              <a:rPr lang="ru-RU" smtClean="0"/>
               <a:t>Образец текста</a:t>
             </a:r>
           </a:p>
@@ -3049,7 +3152,7 @@
           <a:p>
             <a:fld id="{C14F4D0B-68E4-4C14-BD4D-319F9BD213A3}" type="datetimeFigureOut">
               <a:rPr lang="ru-RU" smtClean="0"/>
-              <a:t>20.04.2019</a:t>
+              <a:t>15.11.2018</a:t>
             </a:fld>
             <a:endParaRPr lang="ru-RU"/>
           </a:p>
@@ -3158,7 +3261,7 @@
           <a:lstStyle/>
           <a:p>
             <a:r>
-              <a:rPr lang="ru-RU"/>
+              <a:rPr lang="ru-RU" smtClean="0"/>
               <a:t>Образец заголовка</a:t>
             </a:r>
             <a:endParaRPr lang="en-US" dirty="0"/>
@@ -3192,35 +3295,35 @@
           <a:p>
             <a:pPr lvl="0"/>
             <a:r>
-              <a:rPr lang="ru-RU"/>
+              <a:rPr lang="ru-RU" smtClean="0"/>
               <a:t>Образец текста</a:t>
             </a:r>
           </a:p>
           <a:p>
             <a:pPr lvl="1"/>
             <a:r>
-              <a:rPr lang="ru-RU"/>
+              <a:rPr lang="ru-RU" smtClean="0"/>
               <a:t>Второй уровень</a:t>
             </a:r>
           </a:p>
           <a:p>
             <a:pPr lvl="2"/>
             <a:r>
-              <a:rPr lang="ru-RU"/>
+              <a:rPr lang="ru-RU" smtClean="0"/>
               <a:t>Третий уровень</a:t>
             </a:r>
           </a:p>
           <a:p>
             <a:pPr lvl="3"/>
             <a:r>
-              <a:rPr lang="ru-RU"/>
+              <a:rPr lang="ru-RU" smtClean="0"/>
               <a:t>Четвертый уровень</a:t>
             </a:r>
           </a:p>
           <a:p>
             <a:pPr lvl="4"/>
             <a:r>
-              <a:rPr lang="ru-RU"/>
+              <a:rPr lang="ru-RU" smtClean="0"/>
               <a:t>Пятый уровень</a:t>
             </a:r>
             <a:endParaRPr lang="en-US" dirty="0"/>
@@ -3263,7 +3366,7 @@
           <a:p>
             <a:fld id="{C14F4D0B-68E4-4C14-BD4D-319F9BD213A3}" type="datetimeFigureOut">
               <a:rPr lang="ru-RU" smtClean="0"/>
-              <a:t>20.04.2019</a:t>
+              <a:t>15.11.2018</a:t>
             </a:fld>
             <a:endParaRPr lang="ru-RU"/>
           </a:p>
@@ -3773,7 +3876,7 @@
           <a:lstStyle/>
           <a:p>
             <a:r>
-              <a:rPr lang="ru-RU" sz="3600" b="1" dirty="0">
+              <a:rPr lang="ru-RU" sz="3600" b="1" dirty="0" smtClean="0">
                 <a:solidFill>
                   <a:srgbClr val="0064B5"/>
                 </a:solidFill>
@@ -3782,6 +3885,13 @@
               </a:rPr>
               <a:t>Текстовый анализ</a:t>
             </a:r>
+            <a:endParaRPr lang="ru-RU" sz="3600" b="1" dirty="0">
+              <a:solidFill>
+                <a:srgbClr val="0064B5"/>
+              </a:solidFill>
+              <a:latin typeface="Arial" pitchFamily="34" charset="0"/>
+              <a:cs typeface="Arial" pitchFamily="34" charset="0"/>
+            </a:endParaRPr>
           </a:p>
         </p:txBody>
       </p:sp>
@@ -3794,7 +3904,7 @@
         <p:spPr>
           <a:xfrm>
             <a:off x="300524" y="1030293"/>
-            <a:ext cx="7752907" cy="3970318"/>
+            <a:ext cx="7752907" cy="5816977"/>
           </a:xfrm>
           <a:prstGeom prst="rect">
             <a:avLst/>
@@ -3807,105 +3917,154 @@
           <a:lstStyle/>
           <a:p>
             <a:r>
-              <a:rPr lang="en-US" sz="2400" dirty="0"/>
+              <a:rPr lang="en-US" sz="2400" dirty="0" smtClean="0"/>
               <a:t>1. </a:t>
             </a:r>
             <a:r>
-              <a:rPr lang="ru-RU" sz="2400" dirty="0"/>
-              <a:t>Оценка схожести текстов </a:t>
-            </a:r>
-          </a:p>
-          <a:p>
-            <a:pPr marL="342900" indent="-342900">
-              <a:buFont typeface="Arial" panose="020B0604020202020204" pitchFamily="34" charset="0"/>
-              <a:buChar char="•"/>
+              <a:rPr lang="ru-RU" sz="2400" dirty="0" smtClean="0"/>
+              <a:t>Поиск текстов заданной тематики</a:t>
+            </a:r>
+          </a:p>
+          <a:p>
+            <a:r>
+              <a:rPr lang="ru-RU" sz="2000" dirty="0" smtClean="0"/>
+              <a:t>Форматы: </a:t>
+            </a:r>
+            <a:r>
+              <a:rPr lang="en-US" sz="2000" dirty="0" smtClean="0"/>
+              <a:t>txt, </a:t>
+            </a:r>
+            <a:r>
+              <a:rPr lang="en-US" sz="2000" dirty="0" err="1" smtClean="0"/>
+              <a:t>uri</a:t>
+            </a:r>
+            <a:r>
+              <a:rPr lang="en-US" sz="2000" dirty="0" smtClean="0"/>
+              <a:t>, xml</a:t>
+            </a:r>
+            <a:endParaRPr lang="ru-RU" sz="2000" dirty="0"/>
+          </a:p>
+          <a:p>
+            <a:endParaRPr lang="en-US" sz="2400" dirty="0" smtClean="0"/>
+          </a:p>
+          <a:p>
+            <a:r>
+              <a:rPr lang="en-US" sz="2400" dirty="0" smtClean="0"/>
+              <a:t>2. </a:t>
+            </a:r>
+            <a:r>
+              <a:rPr lang="ru-RU" sz="2400" dirty="0" smtClean="0"/>
+              <a:t>Превращение в тип Корпус</a:t>
+            </a:r>
+          </a:p>
+          <a:p>
+            <a:r>
+              <a:rPr lang="en-US" sz="2000" dirty="0"/>
+              <a:t>library(tm)</a:t>
+            </a:r>
+          </a:p>
+          <a:p>
+            <a:r>
+              <a:rPr lang="en-US" sz="2000" dirty="0" err="1" smtClean="0"/>
+              <a:t>VCorpus</a:t>
+            </a:r>
+            <a:r>
+              <a:rPr lang="en-US" sz="2000" dirty="0" smtClean="0"/>
+              <a:t>(Source) </a:t>
+            </a:r>
+          </a:p>
+          <a:p>
+            <a:endParaRPr lang="ru-RU" sz="2000" dirty="0"/>
+          </a:p>
+          <a:p>
+            <a:r>
+              <a:rPr lang="en-US" sz="2400" dirty="0" smtClean="0"/>
+              <a:t>3. </a:t>
+            </a:r>
+            <a:r>
+              <a:rPr lang="ru-RU" sz="2400" dirty="0" smtClean="0"/>
+              <a:t>Предварительная обработка</a:t>
+            </a:r>
+          </a:p>
+          <a:p>
+            <a:pPr marL="800100" lvl="1" indent="-342900">
+              <a:buAutoNum type="arabicPeriod"/>
             </a:pPr>
             <a:r>
-              <a:rPr lang="ru-RU" sz="2000" dirty="0"/>
-              <a:t>оценка расстояния между текстами;</a:t>
-            </a:r>
-          </a:p>
-          <a:p>
-            <a:pPr marL="342900" indent="-342900">
-              <a:buFont typeface="Arial" panose="020B0604020202020204" pitchFamily="34" charset="0"/>
-              <a:buChar char="•"/>
+              <a:rPr lang="ru-RU" sz="2400" dirty="0" smtClean="0"/>
+              <a:t>Удаление символов и чисел</a:t>
+            </a:r>
+          </a:p>
+          <a:p>
+            <a:pPr marL="800100" lvl="1" indent="-342900">
+              <a:buAutoNum type="arabicPeriod"/>
             </a:pPr>
             <a:r>
-              <a:rPr lang="ru-RU" sz="2000" dirty="0"/>
-              <a:t>оценка угла между векторами частот в пространстве терминов.</a:t>
-            </a:r>
-          </a:p>
-          <a:p>
-            <a:endParaRPr lang="ru-RU" sz="2400" dirty="0"/>
-          </a:p>
-          <a:p>
-            <a:r>
-              <a:rPr lang="ru-RU" sz="2400" dirty="0"/>
-              <a:t>2. </a:t>
-            </a:r>
-            <a:r>
-              <a:rPr lang="ru-RU" sz="2400" dirty="0" err="1"/>
-              <a:t>Стеммизация</a:t>
-            </a:r>
-            <a:r>
-              <a:rPr lang="ru-RU" sz="2400" dirty="0"/>
-              <a:t> – использование команды </a:t>
-            </a:r>
-            <a:r>
-              <a:rPr lang="en-US" sz="2400" dirty="0" err="1"/>
-              <a:t>wordStem</a:t>
-            </a:r>
-            <a:r>
-              <a:rPr lang="en-US" sz="2400" dirty="0"/>
-              <a:t> </a:t>
-            </a:r>
-            <a:r>
-              <a:rPr lang="ru-RU" sz="2400" dirty="0"/>
-              <a:t>из библиотеки </a:t>
-            </a:r>
-            <a:r>
-              <a:rPr lang="en-US" sz="2400" dirty="0" err="1"/>
-              <a:t>SnowballC</a:t>
-            </a:r>
-            <a:endParaRPr lang="en-US" sz="2400" dirty="0"/>
-          </a:p>
-          <a:p>
-            <a:endParaRPr lang="en-US" sz="2400" dirty="0"/>
-          </a:p>
-          <a:p>
-            <a:r>
-              <a:rPr lang="en-US" sz="2400" dirty="0"/>
-              <a:t>3. </a:t>
-            </a:r>
-            <a:r>
-              <a:rPr lang="ru-RU" sz="2400" dirty="0"/>
-              <a:t>Выделение главных тем текстов и наиболее вероятных слов, что их описывают</a:t>
-            </a:r>
-          </a:p>
-          <a:p>
-            <a:r>
-              <a:rPr lang="en" dirty="0"/>
-              <a:t>library(</a:t>
-            </a:r>
-            <a:r>
-              <a:rPr lang="en" dirty="0" err="1"/>
-              <a:t>topicmodels</a:t>
-            </a:r>
-            <a:r>
-              <a:rPr lang="en" dirty="0"/>
-              <a:t>)</a:t>
-            </a:r>
-            <a:endParaRPr lang="ru-RU" sz="2400" dirty="0"/>
-          </a:p>
-          <a:p>
-            <a:r>
-              <a:rPr lang="en" dirty="0"/>
-              <a:t>LDA</a:t>
-            </a:r>
-            <a:r>
-              <a:rPr lang="ru-RU" dirty="0"/>
-              <a:t>()</a:t>
-            </a:r>
+              <a:rPr lang="ru-RU" sz="2400" dirty="0" smtClean="0"/>
+              <a:t>Удаление неинформативных слов</a:t>
+            </a:r>
+            <a:endParaRPr lang="en-US" sz="2400" dirty="0" smtClean="0"/>
+          </a:p>
+          <a:p>
+            <a:r>
+              <a:rPr lang="en-US" sz="2000" dirty="0" err="1" smtClean="0"/>
+              <a:t>tm_map</a:t>
+            </a:r>
+            <a:r>
+              <a:rPr lang="en-US" sz="2000" dirty="0"/>
+              <a:t>, </a:t>
+            </a:r>
+            <a:r>
+              <a:rPr lang="en-US" sz="2000" dirty="0" err="1" smtClean="0"/>
+              <a:t>gsub</a:t>
+            </a:r>
+            <a:endParaRPr lang="en-US" sz="2000" dirty="0" smtClean="0"/>
+          </a:p>
+          <a:p>
+            <a:r>
+              <a:rPr lang="en-US" sz="2000" dirty="0" err="1"/>
+              <a:t>stopwords</a:t>
+            </a:r>
+            <a:r>
+              <a:rPr lang="en-US" sz="2000" dirty="0"/>
+              <a:t>("</a:t>
+            </a:r>
+            <a:r>
+              <a:rPr lang="en-US" sz="2000" dirty="0" err="1"/>
+              <a:t>english</a:t>
+            </a:r>
+            <a:r>
+              <a:rPr lang="en-US" sz="2000" dirty="0"/>
+              <a:t>")</a:t>
+            </a:r>
+            <a:endParaRPr lang="en-US" sz="2000" dirty="0" smtClean="0"/>
+          </a:p>
+          <a:p>
+            <a:r>
+              <a:rPr lang="ru-RU" sz="2400" dirty="0" smtClean="0"/>
+              <a:t>4. Приведение слов к одной форме </a:t>
+            </a:r>
+            <a:r>
+              <a:rPr lang="en-US" sz="2400" dirty="0" smtClean="0"/>
+              <a:t>– </a:t>
+            </a:r>
+            <a:r>
+              <a:rPr lang="ru-RU" sz="2400" dirty="0" err="1" smtClean="0"/>
+              <a:t>стеммизация</a:t>
+            </a:r>
+            <a:r>
+              <a:rPr lang="ru-RU" sz="2400" dirty="0" smtClean="0"/>
+              <a:t> (опционально)</a:t>
+            </a:r>
+          </a:p>
+          <a:p>
+            <a:endParaRPr lang="ru-RU" sz="2400" dirty="0" smtClean="0"/>
+          </a:p>
+          <a:p>
+            <a:endParaRPr lang="ru-RU" dirty="0"/>
+          </a:p>
+          <a:p>
+            <a:endParaRPr lang="ru-RU" dirty="0" smtClean="0"/>
           </a:p>
         </p:txBody>
       </p:sp>
@@ -3984,8 +4143,21 @@
               <a:buNone/>
               <a:tabLst/>
             </a:pPr>
+            <a:r>
+              <a:rPr kumimoji="0" lang="en-US" altLang="en-US" sz="1800" b="0" i="0" u="none" strike="noStrike" cap="none" normalizeH="0" baseline="0" smtClean="0">
+                <a:ln>
+                  <a:noFill/>
+                </a:ln>
+                <a:solidFill>
+                  <a:schemeClr val="tx1"/>
+                </a:solidFill>
+                <a:effectLst/>
+                <a:latin typeface="Arial" panose="020B0604020202020204" pitchFamily="34" charset="0"/>
+              </a:rPr>
+              <a:t/>
+            </a:r>
             <a:br>
-              <a:rPr kumimoji="0" lang="en-US" altLang="en-US" sz="1800" b="0" i="0" u="none" strike="noStrike" cap="none" normalizeH="0" baseline="0">
+              <a:rPr kumimoji="0" lang="en-US" altLang="en-US" sz="1800" b="0" i="0" u="none" strike="noStrike" cap="none" normalizeH="0" baseline="0" smtClean="0">
                 <a:ln>
                   <a:noFill/>
                 </a:ln>
@@ -3996,7 +4168,7 @@
                 <a:latin typeface="Arial" panose="020B0604020202020204" pitchFamily="34" charset="0"/>
               </a:rPr>
             </a:br>
-            <a:endParaRPr kumimoji="0" lang="en-US" altLang="en-US" sz="1800" b="0" i="0" u="none" strike="noStrike" cap="none" normalizeH="0" baseline="0">
+            <a:endParaRPr kumimoji="0" lang="en-US" altLang="en-US" sz="1800" b="0" i="0" u="none" strike="noStrike" cap="none" normalizeH="0" baseline="0" smtClean="0">
               <a:ln>
                 <a:noFill/>
               </a:ln>
@@ -4019,6 +4191,13 @@
   <p:clrMapOvr>
     <a:masterClrMapping/>
   </p:clrMapOvr>
+  <p:timing>
+    <p:tnLst>
+      <p:par>
+        <p:cTn id="1" dur="indefinite" restart="never" nodeType="tmRoot"/>
+      </p:par>
+    </p:tnLst>
+  </p:timing>
 </p:sld>
 </file>
 
@@ -4155,15 +4334,22 @@
           <a:lstStyle/>
           <a:p>
             <a:r>
-              <a:rPr lang="ru-RU" sz="3600" b="1" dirty="0">
+              <a:rPr lang="ru-RU" sz="3600" b="1" dirty="0" smtClean="0">
                 <a:solidFill>
                   <a:srgbClr val="0064B5"/>
                 </a:solidFill>
                 <a:latin typeface="Arial" pitchFamily="34" charset="0"/>
                 <a:cs typeface="Arial" pitchFamily="34" charset="0"/>
               </a:rPr>
-              <a:t>Задание</a:t>
-            </a:r>
+              <a:t>Текстовый анализ</a:t>
+            </a:r>
+            <a:endParaRPr lang="ru-RU" sz="3600" b="1" dirty="0">
+              <a:solidFill>
+                <a:srgbClr val="0064B5"/>
+              </a:solidFill>
+              <a:latin typeface="Arial" pitchFamily="34" charset="0"/>
+              <a:cs typeface="Arial" pitchFamily="34" charset="0"/>
+            </a:endParaRPr>
           </a:p>
         </p:txBody>
       </p:sp>
@@ -4176,7 +4362,7 @@
         <p:spPr>
           <a:xfrm>
             <a:off x="300524" y="1181295"/>
-            <a:ext cx="7752907" cy="5447645"/>
+            <a:ext cx="7752907" cy="1692771"/>
           </a:xfrm>
           <a:prstGeom prst="rect">
             <a:avLst/>
@@ -4188,177 +4374,38 @@
           </a:bodyPr>
           <a:lstStyle/>
           <a:p>
-            <a:pPr marL="457200" indent="-457200">
-              <a:buAutoNum type="arabicPeriod"/>
-            </a:pPr>
-            <a:r>
-              <a:rPr lang="ru-RU" sz="2400" dirty="0"/>
-              <a:t>Загрузить предвыборные программы 2015 года в Беларуси.</a:t>
-            </a:r>
-          </a:p>
-          <a:p>
-            <a:r>
-              <a:rPr lang="ru-RU" sz="1400" dirty="0">
-                <a:hlinkClick r:id="rId3">
-                  <a:extLst>
-                    <a:ext uri="{A12FA001-AC4F-418D-AE19-62706E023703}">
-                      <ahyp:hlinkClr xmlns:ahyp="http://schemas.microsoft.com/office/drawing/2018/hyperlinkcolor" val="tx"/>
-                    </a:ext>
-                  </a:extLst>
-                </a:hlinkClick>
-              </a:rPr>
-              <a:t>Программа Гайдукевича Сергея</a:t>
-            </a:r>
-            <a:r>
-              <a:rPr lang="ru-RU" sz="1400" dirty="0"/>
-              <a:t> </a:t>
-            </a:r>
-          </a:p>
-          <a:p>
-            <a:r>
-              <a:rPr lang="ru-RU" sz="1400" dirty="0">
-                <a:hlinkClick r:id="rId4">
-                  <a:extLst>
-                    <a:ext uri="{A12FA001-AC4F-418D-AE19-62706E023703}">
-                      <ahyp:hlinkClr xmlns:ahyp="http://schemas.microsoft.com/office/drawing/2018/hyperlinkcolor" val="tx"/>
-                    </a:ext>
-                  </a:extLst>
-                </a:hlinkClick>
-              </a:rPr>
-              <a:t>Программа Короткевич Татьяны</a:t>
-            </a:r>
-            <a:r>
-              <a:rPr lang="ru-RU" sz="1400" dirty="0"/>
-              <a:t> </a:t>
-            </a:r>
-          </a:p>
-          <a:p>
-            <a:r>
-              <a:rPr lang="ru-RU" sz="1400" dirty="0">
-                <a:hlinkClick r:id="rId5">
-                  <a:extLst>
-                    <a:ext uri="{A12FA001-AC4F-418D-AE19-62706E023703}">
-                      <ahyp:hlinkClr xmlns:ahyp="http://schemas.microsoft.com/office/drawing/2018/hyperlinkcolor" val="tx"/>
-                    </a:ext>
-                  </a:extLst>
-                </a:hlinkClick>
-              </a:rPr>
-              <a:t>Программа Лукашенко Александра</a:t>
-            </a:r>
-            <a:r>
-              <a:rPr lang="ru-RU" sz="1400" dirty="0"/>
-              <a:t> </a:t>
-            </a:r>
-          </a:p>
-          <a:p>
-            <a:r>
-              <a:rPr lang="ru-RU" sz="1400" dirty="0">
-                <a:hlinkClick r:id="rId6">
-                  <a:extLst>
-                    <a:ext uri="{A12FA001-AC4F-418D-AE19-62706E023703}">
-                      <ahyp:hlinkClr xmlns:ahyp="http://schemas.microsoft.com/office/drawing/2018/hyperlinkcolor" val="tx"/>
-                    </a:ext>
-                  </a:extLst>
-                </a:hlinkClick>
-              </a:rPr>
-              <a:t>Программа Улаховича Николая</a:t>
-            </a:r>
-            <a:r>
-              <a:rPr lang="ru-RU" sz="1400" dirty="0"/>
-              <a:t> </a:t>
-            </a:r>
-          </a:p>
-          <a:p>
-            <a:r>
-              <a:rPr lang="ru-RU" sz="1400" dirty="0"/>
-              <a:t>Помимо перечисленных выше четырех документов в анализ были включены также программы А. Лукашенко за </a:t>
-            </a:r>
-            <a:r>
-              <a:rPr lang="ru-RU" sz="1400" dirty="0">
-                <a:hlinkClick r:id="rId7">
-                  <a:extLst>
-                    <a:ext uri="{A12FA001-AC4F-418D-AE19-62706E023703}">
-                      <ahyp:hlinkClr xmlns:ahyp="http://schemas.microsoft.com/office/drawing/2018/hyperlinkcolor" val="tx"/>
-                    </a:ext>
-                  </a:extLst>
-                </a:hlinkClick>
-              </a:rPr>
-              <a:t>2006</a:t>
-            </a:r>
-            <a:r>
-              <a:rPr lang="ru-RU" sz="1400" dirty="0"/>
-              <a:t> и </a:t>
-            </a:r>
-            <a:r>
-              <a:rPr lang="ru-RU" sz="1400" dirty="0">
-                <a:hlinkClick r:id="rId8">
-                  <a:extLst>
-                    <a:ext uri="{A12FA001-AC4F-418D-AE19-62706E023703}">
-                      <ahyp:hlinkClr xmlns:ahyp="http://schemas.microsoft.com/office/drawing/2018/hyperlinkcolor" val="tx"/>
-                    </a:ext>
-                  </a:extLst>
-                </a:hlinkClick>
-              </a:rPr>
-              <a:t>2010</a:t>
-            </a:r>
-            <a:r>
-              <a:rPr lang="ru-RU" sz="1400" dirty="0"/>
-              <a:t> годы</a:t>
+            <a:r>
+              <a:rPr lang="ru-RU" sz="2400" dirty="0" smtClean="0"/>
+              <a:t>5. Частоты слов, кластеризация терминов, облако слов</a:t>
+            </a:r>
+          </a:p>
+          <a:p>
+            <a:r>
+              <a:rPr lang="en-US" sz="2000" dirty="0" err="1"/>
+              <a:t>DocumentTermMatrix</a:t>
+            </a:r>
+            <a:endParaRPr lang="ru-RU" sz="2000" dirty="0" smtClean="0"/>
+          </a:p>
+          <a:p>
+            <a:r>
+              <a:rPr lang="en-US" sz="2000" dirty="0" err="1" smtClean="0"/>
+              <a:t>findAssocs</a:t>
+            </a:r>
+            <a:endParaRPr lang="ru-RU" sz="2000" dirty="0" smtClean="0"/>
+          </a:p>
+          <a:p>
+            <a:r>
+              <a:rPr lang="en-US" sz="2000" dirty="0" err="1" smtClean="0"/>
+              <a:t>removeSparseTerms</a:t>
+            </a:r>
+            <a:endParaRPr lang="ru-RU" sz="2000" dirty="0" smtClean="0"/>
+          </a:p>
+          <a:p>
+            <a:r>
+              <a:rPr lang="en-US" sz="2000" dirty="0" err="1" smtClean="0"/>
+              <a:t>wordcloud</a:t>
             </a:r>
             <a:endParaRPr lang="ru-RU" sz="2400" dirty="0"/>
-          </a:p>
-          <a:p>
-            <a:pPr marL="457200" indent="-457200">
-              <a:buFont typeface="+mj-lt"/>
-              <a:buAutoNum type="arabicPeriod" startAt="2"/>
-            </a:pPr>
-            <a:r>
-              <a:rPr lang="ru-RU" sz="2400" dirty="0"/>
-              <a:t>Очистить каждый документ (расширив словарь стоп-слов</a:t>
-            </a:r>
-            <a:r>
-              <a:rPr lang="en-US" sz="2400" dirty="0"/>
-              <a:t>, </a:t>
-            </a:r>
-            <a:r>
-              <a:rPr lang="ru-RU" sz="2400" dirty="0"/>
-              <a:t>например «белорус»), провести </a:t>
-            </a:r>
-            <a:r>
-              <a:rPr lang="ru-RU" sz="2400" dirty="0" err="1"/>
-              <a:t>стеммизацию</a:t>
-            </a:r>
-            <a:r>
-              <a:rPr lang="ru-RU" sz="2400" dirty="0"/>
-              <a:t>.</a:t>
-            </a:r>
-          </a:p>
-          <a:p>
-            <a:pPr marL="457200" indent="-457200">
-              <a:buAutoNum type="arabicPeriod" startAt="2"/>
-            </a:pPr>
-            <a:r>
-              <a:rPr lang="ru-RU" sz="2400" dirty="0"/>
-              <a:t>Построить облако слов для каждой программы, оценить на что чаще всего акцентировали внимание политики. </a:t>
-            </a:r>
-          </a:p>
-          <a:p>
-            <a:pPr marL="457200" indent="-457200">
-              <a:buAutoNum type="arabicPeriod" startAt="2"/>
-            </a:pPr>
-            <a:r>
-              <a:rPr lang="ru-RU" sz="2400" dirty="0"/>
-              <a:t>Найти наиболее сходные между собой программы, проанализировать результат. </a:t>
-            </a:r>
-          </a:p>
-          <a:p>
-            <a:pPr marL="457200" indent="-457200">
-              <a:buAutoNum type="arabicPeriod" startAt="2"/>
-            </a:pPr>
-            <a:r>
-              <a:rPr lang="ru-RU" sz="2400" dirty="0"/>
-              <a:t>Проанализировать 10 слов, что описывают главную тему каждой программы. </a:t>
-            </a:r>
           </a:p>
         </p:txBody>
       </p:sp>
@@ -4437,8 +4484,21 @@
               <a:buNone/>
               <a:tabLst/>
             </a:pPr>
+            <a:r>
+              <a:rPr kumimoji="0" lang="en-US" altLang="en-US" sz="1800" b="0" i="0" u="none" strike="noStrike" cap="none" normalizeH="0" baseline="0" smtClean="0">
+                <a:ln>
+                  <a:noFill/>
+                </a:ln>
+                <a:solidFill>
+                  <a:schemeClr val="tx1"/>
+                </a:solidFill>
+                <a:effectLst/>
+                <a:latin typeface="Arial" panose="020B0604020202020204" pitchFamily="34" charset="0"/>
+              </a:rPr>
+              <a:t/>
+            </a:r>
             <a:br>
-              <a:rPr kumimoji="0" lang="en-US" altLang="en-US" sz="1800" b="0" i="0" u="none" strike="noStrike" cap="none" normalizeH="0" baseline="0">
+              <a:rPr kumimoji="0" lang="en-US" altLang="en-US" sz="1800" b="0" i="0" u="none" strike="noStrike" cap="none" normalizeH="0" baseline="0" smtClean="0">
                 <a:ln>
                   <a:noFill/>
                 </a:ln>
@@ -4449,7 +4509,7 @@
                 <a:latin typeface="Arial" panose="020B0604020202020204" pitchFamily="34" charset="0"/>
               </a:rPr>
             </a:br>
-            <a:endParaRPr kumimoji="0" lang="en-US" altLang="en-US" sz="1800" b="0" i="0" u="none" strike="noStrike" cap="none" normalizeH="0" baseline="0">
+            <a:endParaRPr kumimoji="0" lang="en-US" altLang="en-US" sz="1800" b="0" i="0" u="none" strike="noStrike" cap="none" normalizeH="0" baseline="0" smtClean="0">
               <a:ln>
                 <a:noFill/>
               </a:ln>
@@ -4459,6 +4519,107 @@
               <a:effectLst/>
               <a:latin typeface="Arial" panose="020B0604020202020204" pitchFamily="34" charset="0"/>
             </a:endParaRPr>
+          </a:p>
+        </p:txBody>
+      </p:sp>
+      <p:pic>
+        <p:nvPicPr>
+          <p:cNvPr id="4" name="Рисунок 3"/>
+          <p:cNvPicPr>
+            <a:picLocks noChangeAspect="1"/>
+          </p:cNvPicPr>
+          <p:nvPr/>
+        </p:nvPicPr>
+        <p:blipFill>
+          <a:blip r:embed="rId3"/>
+          <a:stretch>
+            <a:fillRect/>
+          </a:stretch>
+        </p:blipFill>
+        <p:spPr>
+          <a:xfrm>
+            <a:off x="6599804" y="1593503"/>
+            <a:ext cx="2024079" cy="3342516"/>
+          </a:xfrm>
+          <a:prstGeom prst="rect">
+            <a:avLst/>
+          </a:prstGeom>
+        </p:spPr>
+      </p:pic>
+      <p:pic>
+        <p:nvPicPr>
+          <p:cNvPr id="6" name="Рисунок 5"/>
+          <p:cNvPicPr>
+            <a:picLocks noChangeAspect="1"/>
+          </p:cNvPicPr>
+          <p:nvPr/>
+        </p:nvPicPr>
+        <p:blipFill rotWithShape="1">
+          <a:blip r:embed="rId4"/>
+          <a:srcRect t="16864" b="19433"/>
+          <a:stretch/>
+        </p:blipFill>
+        <p:spPr>
+          <a:xfrm>
+            <a:off x="231641" y="3217178"/>
+            <a:ext cx="3460928" cy="3640822"/>
+          </a:xfrm>
+          <a:prstGeom prst="rect">
+            <a:avLst/>
+          </a:prstGeom>
+        </p:spPr>
+      </p:pic>
+      <p:sp>
+        <p:nvSpPr>
+          <p:cNvPr id="8" name="Прямоугольник 7"/>
+          <p:cNvSpPr/>
+          <p:nvPr/>
+        </p:nvSpPr>
+        <p:spPr>
+          <a:xfrm>
+            <a:off x="3817562" y="5025358"/>
+            <a:ext cx="4666406" cy="1015663"/>
+          </a:xfrm>
+          <a:prstGeom prst="rect">
+            <a:avLst/>
+          </a:prstGeom>
+        </p:spPr>
+        <p:txBody>
+          <a:bodyPr wrap="none">
+            <a:spAutoFit/>
+          </a:bodyPr>
+          <a:lstStyle/>
+          <a:p>
+            <a:r>
+              <a:rPr lang="ru-RU" sz="2400" dirty="0"/>
+              <a:t>6. Анализ эмоционального </a:t>
+            </a:r>
+            <a:r>
+              <a:rPr lang="ru-RU" sz="2400" dirty="0" smtClean="0"/>
+              <a:t>окраса</a:t>
+            </a:r>
+          </a:p>
+          <a:p>
+            <a:r>
+              <a:rPr lang="en-US" dirty="0"/>
+              <a:t>library(</a:t>
+            </a:r>
+            <a:r>
+              <a:rPr lang="en-US" dirty="0" err="1"/>
+              <a:t>SentimentAnalysis</a:t>
+            </a:r>
+            <a:r>
+              <a:rPr lang="en-US" dirty="0"/>
+              <a:t>)</a:t>
+            </a:r>
+            <a:endParaRPr lang="ru-RU" dirty="0"/>
+          </a:p>
+          <a:p>
+            <a:r>
+              <a:rPr lang="en-US" dirty="0" err="1"/>
+              <a:t>analyzeSentiment</a:t>
+            </a:r>
+            <a:endParaRPr lang="en-US" dirty="0"/>
           </a:p>
         </p:txBody>
       </p:sp>
@@ -4472,10 +4633,337 @@
   <p:clrMapOvr>
     <a:masterClrMapping/>
   </p:clrMapOvr>
+  <p:timing>
+    <p:tnLst>
+      <p:par>
+        <p:cTn id="1" dur="indefinite" restart="never" nodeType="tmRoot"/>
+      </p:par>
+    </p:tnLst>
+  </p:timing>
 </p:sld>
 </file>
 
 <file path=ppt/slides/slide3.xml><?xml version="1.0" encoding="utf-8"?>
+<p:sld xmlns:a="http://schemas.openxmlformats.org/drawingml/2006/main" xmlns:r="http://schemas.openxmlformats.org/officeDocument/2006/relationships" xmlns:p="http://schemas.openxmlformats.org/presentationml/2006/main">
+  <p:cSld>
+    <p:spTree>
+      <p:nvGrpSpPr>
+        <p:cNvPr id="1" name=""/>
+        <p:cNvGrpSpPr/>
+        <p:nvPr/>
+      </p:nvGrpSpPr>
+      <p:grpSpPr>
+        <a:xfrm>
+          <a:off x="0" y="0"/>
+          <a:ext cx="0" cy="0"/>
+          <a:chOff x="0" y="0"/>
+          <a:chExt cx="0" cy="0"/>
+        </a:xfrm>
+      </p:grpSpPr>
+      <p:grpSp>
+        <p:nvGrpSpPr>
+          <p:cNvPr id="9" name="Группа 8"/>
+          <p:cNvGrpSpPr/>
+          <p:nvPr/>
+        </p:nvGrpSpPr>
+        <p:grpSpPr>
+          <a:xfrm>
+            <a:off x="240030" y="759941"/>
+            <a:ext cx="8583930" cy="83408"/>
+            <a:chOff x="240030" y="759941"/>
+            <a:chExt cx="8583930" cy="83408"/>
+          </a:xfrm>
+        </p:grpSpPr>
+        <p:cxnSp>
+          <p:nvCxnSpPr>
+            <p:cNvPr id="2" name="Прямая соединительная линия 1"/>
+            <p:cNvCxnSpPr/>
+            <p:nvPr/>
+          </p:nvCxnSpPr>
+          <p:spPr>
+            <a:xfrm>
+              <a:off x="560070" y="759941"/>
+              <a:ext cx="8263890" cy="0"/>
+            </a:xfrm>
+            <a:prstGeom prst="line">
+              <a:avLst/>
+            </a:prstGeom>
+            <a:ln w="76200" cap="flat" cmpd="sng" algn="ctr">
+              <a:solidFill>
+                <a:srgbClr val="0064B5"/>
+              </a:solidFill>
+              <a:prstDash val="solid"/>
+              <a:round/>
+              <a:headEnd type="none" w="med" len="sm"/>
+              <a:tailEnd type="none" w="med" len="sm"/>
+            </a:ln>
+          </p:spPr>
+          <p:style>
+            <a:lnRef idx="1">
+              <a:schemeClr val="accent1"/>
+            </a:lnRef>
+            <a:fillRef idx="0">
+              <a:schemeClr val="accent1"/>
+            </a:fillRef>
+            <a:effectRef idx="0">
+              <a:schemeClr val="accent1"/>
+            </a:effectRef>
+            <a:fontRef idx="minor">
+              <a:schemeClr val="tx1"/>
+            </a:fontRef>
+          </p:style>
+        </p:cxnSp>
+        <p:cxnSp>
+          <p:nvCxnSpPr>
+            <p:cNvPr id="3" name="Прямая соединительная линия 2"/>
+            <p:cNvCxnSpPr/>
+            <p:nvPr/>
+          </p:nvCxnSpPr>
+          <p:spPr>
+            <a:xfrm>
+              <a:off x="240030" y="843349"/>
+              <a:ext cx="8286750" cy="0"/>
+            </a:xfrm>
+            <a:prstGeom prst="line">
+              <a:avLst/>
+            </a:prstGeom>
+            <a:ln w="76200" cap="flat" cmpd="sng" algn="ctr">
+              <a:solidFill>
+                <a:srgbClr val="F5A200"/>
+              </a:solidFill>
+              <a:prstDash val="solid"/>
+              <a:round/>
+              <a:headEnd type="none" w="med" len="sm"/>
+              <a:tailEnd type="none" w="med" len="sm"/>
+            </a:ln>
+          </p:spPr>
+          <p:style>
+            <a:lnRef idx="1">
+              <a:schemeClr val="accent1"/>
+            </a:lnRef>
+            <a:fillRef idx="0">
+              <a:schemeClr val="accent1"/>
+            </a:fillRef>
+            <a:effectRef idx="0">
+              <a:schemeClr val="accent1"/>
+            </a:effectRef>
+            <a:fontRef idx="minor">
+              <a:schemeClr val="tx1"/>
+            </a:fontRef>
+          </p:style>
+        </p:cxnSp>
+      </p:grpSp>
+      <p:sp>
+        <p:nvSpPr>
+          <p:cNvPr id="5" name="TextBox 4"/>
+          <p:cNvSpPr txBox="1"/>
+          <p:nvPr/>
+        </p:nvSpPr>
+        <p:spPr>
+          <a:xfrm>
+            <a:off x="491506" y="135310"/>
+            <a:ext cx="8504712" cy="629326"/>
+          </a:xfrm>
+          <a:prstGeom prst="rect">
+            <a:avLst/>
+          </a:prstGeom>
+          <a:noFill/>
+        </p:spPr>
+        <p:txBody>
+          <a:bodyPr vert="horz" wrap="square" lIns="74600" tIns="37300" rIns="74600" bIns="37300" rtlCol="0">
+            <a:spAutoFit/>
+          </a:bodyPr>
+          <a:lstStyle/>
+          <a:p>
+            <a:r>
+              <a:rPr lang="ru-RU" sz="3600" b="1" dirty="0" smtClean="0">
+                <a:solidFill>
+                  <a:srgbClr val="0064B5"/>
+                </a:solidFill>
+                <a:latin typeface="Arial" pitchFamily="34" charset="0"/>
+                <a:cs typeface="Arial" pitchFamily="34" charset="0"/>
+              </a:rPr>
+              <a:t>Задание 1</a:t>
+            </a:r>
+            <a:endParaRPr lang="ru-RU" sz="3600" b="1" dirty="0">
+              <a:solidFill>
+                <a:srgbClr val="0064B5"/>
+              </a:solidFill>
+              <a:latin typeface="Arial" pitchFamily="34" charset="0"/>
+              <a:cs typeface="Arial" pitchFamily="34" charset="0"/>
+            </a:endParaRPr>
+          </a:p>
+        </p:txBody>
+      </p:sp>
+      <p:sp>
+        <p:nvSpPr>
+          <p:cNvPr id="4" name="Прямоугольник 3"/>
+          <p:cNvSpPr/>
+          <p:nvPr/>
+        </p:nvSpPr>
+        <p:spPr>
+          <a:xfrm>
+            <a:off x="174140" y="922063"/>
+            <a:ext cx="8649820" cy="3785652"/>
+          </a:xfrm>
+          <a:prstGeom prst="rect">
+            <a:avLst/>
+          </a:prstGeom>
+        </p:spPr>
+        <p:txBody>
+          <a:bodyPr wrap="square">
+            <a:spAutoFit/>
+          </a:bodyPr>
+          <a:lstStyle/>
+          <a:p>
+            <a:r>
+              <a:rPr lang="ru-RU" sz="2400" dirty="0" smtClean="0"/>
+              <a:t>№ 1</a:t>
+            </a:r>
+          </a:p>
+          <a:p>
+            <a:pPr marL="457200" indent="-457200">
+              <a:buAutoNum type="arabicPeriod"/>
+            </a:pPr>
+            <a:r>
+              <a:rPr lang="ru-RU" sz="2400" dirty="0" smtClean="0"/>
+              <a:t>Загрузить рассказы А.К. </a:t>
+            </a:r>
+            <a:r>
+              <a:rPr lang="ru-RU" sz="2400" dirty="0" err="1" smtClean="0"/>
+              <a:t>Дойля</a:t>
+            </a:r>
+            <a:r>
+              <a:rPr lang="en-US" sz="2400" dirty="0" smtClean="0"/>
+              <a:t> </a:t>
+            </a:r>
+            <a:r>
+              <a:rPr lang="ru-RU" sz="2400" dirty="0" smtClean="0"/>
+              <a:t>и </a:t>
+            </a:r>
+            <a:r>
+              <a:rPr lang="ru-RU" sz="2400" dirty="0" err="1" smtClean="0"/>
+              <a:t>Э.По</a:t>
+            </a:r>
+            <a:r>
+              <a:rPr lang="ru-RU" sz="2400" dirty="0" smtClean="0"/>
+              <a:t> </a:t>
+            </a:r>
+            <a:r>
+              <a:rPr lang="ru-RU" sz="2400" dirty="0" smtClean="0"/>
+              <a:t>из папки </a:t>
+            </a:r>
+            <a:r>
+              <a:rPr lang="en-US" sz="2400" dirty="0" smtClean="0"/>
+              <a:t>Task</a:t>
+            </a:r>
+            <a:r>
+              <a:rPr lang="ru-RU" sz="2400" dirty="0" smtClean="0"/>
+              <a:t>.</a:t>
+            </a:r>
+            <a:endParaRPr lang="ru-RU" sz="2400" dirty="0" smtClean="0"/>
+          </a:p>
+          <a:p>
+            <a:pPr marL="457200" indent="-457200">
+              <a:buAutoNum type="arabicPeriod"/>
+            </a:pPr>
+            <a:r>
+              <a:rPr lang="ru-RU" sz="2400" dirty="0" smtClean="0"/>
+              <a:t>Сделать предварительную обработку.</a:t>
+            </a:r>
+          </a:p>
+          <a:p>
+            <a:pPr marL="457200" indent="-457200">
+              <a:buAutoNum type="arabicPeriod"/>
+            </a:pPr>
+            <a:r>
+              <a:rPr lang="ru-RU" sz="2400" dirty="0" smtClean="0"/>
+              <a:t>Построить </a:t>
+            </a:r>
+            <a:r>
+              <a:rPr lang="ru-RU" sz="2400" dirty="0" smtClean="0"/>
+              <a:t>два облака </a:t>
+            </a:r>
+            <a:r>
+              <a:rPr lang="ru-RU" sz="2400" dirty="0" smtClean="0"/>
+              <a:t>слов, которые использует А.К. </a:t>
+            </a:r>
+            <a:r>
+              <a:rPr lang="ru-RU" sz="2400" dirty="0" err="1" smtClean="0"/>
+              <a:t>Дойль</a:t>
+            </a:r>
+            <a:r>
+              <a:rPr lang="ru-RU" sz="2400" dirty="0" smtClean="0"/>
+              <a:t> и </a:t>
+            </a:r>
+            <a:r>
+              <a:rPr lang="ru-RU" sz="2400" dirty="0" err="1" smtClean="0"/>
+              <a:t>Э.По</a:t>
+            </a:r>
+            <a:r>
+              <a:rPr lang="ru-RU" sz="2400" dirty="0" smtClean="0"/>
+              <a:t>.</a:t>
+            </a:r>
+            <a:endParaRPr lang="ru-RU" sz="2400" dirty="0" smtClean="0"/>
+          </a:p>
+          <a:p>
+            <a:pPr marL="457200" indent="-457200">
+              <a:buAutoNum type="arabicPeriod"/>
+            </a:pPr>
+            <a:r>
+              <a:rPr lang="ru-RU" sz="2400" dirty="0" smtClean="0"/>
+              <a:t>Какой из писателей написал более мрачные рассказы?</a:t>
+            </a:r>
+            <a:endParaRPr lang="ru-RU" sz="2400" dirty="0" smtClean="0"/>
+          </a:p>
+          <a:p>
+            <a:r>
+              <a:rPr lang="ru-RU" sz="2400" dirty="0" smtClean="0"/>
+              <a:t>№ 2</a:t>
+            </a:r>
+          </a:p>
+          <a:p>
+            <a:pPr marL="457200" indent="-457200">
+              <a:buAutoNum type="arabicPeriod"/>
+            </a:pPr>
+            <a:r>
+              <a:rPr lang="ru-RU" sz="2400" dirty="0" smtClean="0"/>
+              <a:t>Проанализировать 12 статей про Порошенко за прошлый год (по 1 за месяц).</a:t>
+            </a:r>
+          </a:p>
+          <a:p>
+            <a:pPr marL="457200" indent="-457200">
+              <a:buAutoNum type="arabicPeriod"/>
+            </a:pPr>
+            <a:r>
+              <a:rPr lang="ru-RU" sz="2400" dirty="0" smtClean="0"/>
+              <a:t>Построить график изменения эмоционального окраса.  </a:t>
+            </a:r>
+            <a:endParaRPr lang="ru-RU" sz="2400" dirty="0"/>
+          </a:p>
+        </p:txBody>
+      </p:sp>
+    </p:spTree>
+    <p:extLst>
+      <p:ext uri="{BB962C8B-B14F-4D97-AF65-F5344CB8AC3E}">
+        <p14:creationId xmlns:p14="http://schemas.microsoft.com/office/powerpoint/2010/main" val="3203559216"/>
+      </p:ext>
+    </p:extLst>
+  </p:cSld>
+  <p:clrMapOvr>
+    <a:masterClrMapping/>
+  </p:clrMapOvr>
+  <p:timing>
+    <p:tnLst>
+      <p:par>
+        <p:cTn id="1" dur="indefinite" restart="never" nodeType="tmRoot"/>
+      </p:par>
+    </p:tnLst>
+  </p:timing>
+</p:sld>
+</file>
+
+<file path=ppt/slides/slide4.xml><?xml version="1.0" encoding="utf-8"?>
 <p:sld xmlns:a="http://schemas.openxmlformats.org/drawingml/2006/main" xmlns:r="http://schemas.openxmlformats.org/officeDocument/2006/relationships" xmlns:p="http://schemas.openxmlformats.org/presentationml/2006/main">
   <p:cSld>
     <p:spTree>
@@ -4608,143 +5096,22 @@
           <a:lstStyle/>
           <a:p>
             <a:r>
-              <a:rPr lang="ru-RU" sz="3600" b="1" dirty="0">
+              <a:rPr lang="ru-RU" sz="3600" b="1" dirty="0" smtClean="0">
                 <a:solidFill>
                   <a:srgbClr val="0064B5"/>
                 </a:solidFill>
                 <a:latin typeface="Arial" pitchFamily="34" charset="0"/>
                 <a:cs typeface="Arial" pitchFamily="34" charset="0"/>
               </a:rPr>
-              <a:t>Задание</a:t>
-            </a:r>
-            <a:r>
-              <a:rPr lang="en-US" sz="3600" b="1" dirty="0">
-                <a:solidFill>
-                  <a:srgbClr val="0064B5"/>
-                </a:solidFill>
-                <a:latin typeface="Arial" pitchFamily="34" charset="0"/>
-                <a:cs typeface="Arial" pitchFamily="34" charset="0"/>
-              </a:rPr>
-              <a:t> 2</a:t>
-            </a:r>
-            <a:r>
-              <a:rPr lang="ru-RU" sz="3600" b="1" dirty="0">
-                <a:solidFill>
-                  <a:srgbClr val="0064B5"/>
-                </a:solidFill>
-                <a:latin typeface="Arial" pitchFamily="34" charset="0"/>
-                <a:cs typeface="Arial" pitchFamily="34" charset="0"/>
-              </a:rPr>
-              <a:t>	</a:t>
-            </a:r>
-          </a:p>
-        </p:txBody>
-      </p:sp>
-      <p:sp>
-        <p:nvSpPr>
-          <p:cNvPr id="7" name="Прямоугольник 6"/>
-          <p:cNvSpPr/>
-          <p:nvPr/>
-        </p:nvSpPr>
-        <p:spPr>
-          <a:xfrm>
-            <a:off x="300524" y="1030293"/>
-            <a:ext cx="7752907" cy="4708981"/>
-          </a:xfrm>
-          <a:prstGeom prst="rect">
-            <a:avLst/>
-          </a:prstGeom>
-        </p:spPr>
-        <p:txBody>
-          <a:bodyPr wrap="square">
-            <a:spAutoFit/>
-          </a:bodyPr>
-          <a:lstStyle/>
-          <a:p>
-            <a:r>
-              <a:rPr lang="ru-RU" sz="2000" dirty="0"/>
-              <a:t>Загрузить данные про сильные (больше 7,5 балов) землетрясения </a:t>
-            </a:r>
-            <a:r>
-              <a:rPr lang="en-US" sz="2000"/>
-              <a:t>Day11b</a:t>
-            </a:r>
-            <a:r>
-              <a:rPr lang="ru-RU" sz="2000"/>
-              <a:t>.</a:t>
-            </a:r>
-            <a:r>
-              <a:rPr lang="ru-RU" sz="2000" dirty="0"/>
-              <a:t>zip и выполнить задание:</a:t>
-            </a:r>
-          </a:p>
-          <a:p>
-            <a:pPr marL="457200" indent="-457200">
-              <a:buAutoNum type="arabicParenR"/>
-            </a:pPr>
-            <a:r>
-              <a:rPr lang="ru-RU" sz="2000" dirty="0"/>
-              <a:t>Удалить все землетрясения, для которых не указаны координаты;</a:t>
-            </a:r>
-          </a:p>
-          <a:p>
-            <a:pPr marL="457200" indent="-457200">
-              <a:buAutoNum type="arabicParenR"/>
-            </a:pPr>
-            <a:r>
-              <a:rPr lang="ru-RU" sz="2000" dirty="0"/>
-              <a:t>Добавить колонку с частью света, в которой происходит землетрясение;</a:t>
-            </a:r>
-          </a:p>
-          <a:p>
-            <a:pPr marL="457200" indent="-457200">
-              <a:buAutoNum type="arabicParenR"/>
-            </a:pPr>
-            <a:r>
-              <a:rPr lang="ru-RU" sz="2000" dirty="0"/>
-              <a:t>Разместить на карте эпицентры землетрясений;</a:t>
-            </a:r>
-          </a:p>
-          <a:p>
-            <a:pPr marL="457200" indent="-457200">
-              <a:buAutoNum type="arabicParenR"/>
-            </a:pPr>
-            <a:r>
-              <a:rPr lang="ru-RU" sz="2000" dirty="0"/>
-              <a:t>Построить частотные диаграммы возникновения землетрясений по странам и в разные года (для 1960+);</a:t>
-            </a:r>
-          </a:p>
-          <a:p>
-            <a:pPr marL="457200" indent="-457200">
-              <a:buAutoNum type="arabicParenR"/>
-            </a:pPr>
-            <a:r>
-              <a:rPr lang="ru-RU" sz="2000" dirty="0" err="1"/>
-              <a:t>Кластеризовать</a:t>
-            </a:r>
-            <a:r>
-              <a:rPr lang="ru-RU" sz="2000" dirty="0"/>
-              <a:t> страны по средней интенсивности землетрясений, наличию цунами и максимальному количеству смертей; </a:t>
-            </a:r>
-          </a:p>
-          <a:p>
-            <a:pPr marL="457200" indent="-457200">
-              <a:buAutoNum type="arabicParenR"/>
-            </a:pPr>
-            <a:r>
-              <a:rPr lang="ru-RU" sz="2000" dirty="0"/>
-              <a:t>Посчитать среднее время между землетрясениями для каждой страны с 1960 года;</a:t>
-            </a:r>
-            <a:endParaRPr lang="en-US" sz="2000" dirty="0"/>
-          </a:p>
-          <a:p>
-            <a:pPr marL="457200" indent="-457200">
-              <a:buAutoNum type="arabicParenR"/>
-            </a:pPr>
-            <a:r>
-              <a:rPr lang="ru-RU" sz="2000" dirty="0"/>
-              <a:t>Индивидуальное задание.</a:t>
-            </a:r>
+              <a:t>Задание 2</a:t>
+            </a:r>
+            <a:endParaRPr lang="ru-RU" sz="3600" b="1" dirty="0">
+              <a:solidFill>
+                <a:srgbClr val="0064B5"/>
+              </a:solidFill>
+              <a:latin typeface="Arial" pitchFamily="34" charset="0"/>
+              <a:cs typeface="Arial" pitchFamily="34" charset="0"/>
+            </a:endParaRPr>
           </a:p>
         </p:txBody>
       </p:sp>
@@ -4823,8 +5190,21 @@
               <a:buNone/>
               <a:tabLst/>
             </a:pPr>
+            <a:r>
+              <a:rPr kumimoji="0" lang="en-US" altLang="en-US" sz="1800" b="0" i="0" u="none" strike="noStrike" cap="none" normalizeH="0" baseline="0" smtClean="0">
+                <a:ln>
+                  <a:noFill/>
+                </a:ln>
+                <a:solidFill>
+                  <a:schemeClr val="tx1"/>
+                </a:solidFill>
+                <a:effectLst/>
+                <a:latin typeface="Arial" panose="020B0604020202020204" pitchFamily="34" charset="0"/>
+              </a:rPr>
+              <a:t/>
+            </a:r>
             <a:br>
-              <a:rPr kumimoji="0" lang="en-US" altLang="en-US" sz="1800" b="0" i="0" u="none" strike="noStrike" cap="none" normalizeH="0" baseline="0">
+              <a:rPr kumimoji="0" lang="en-US" altLang="en-US" sz="1800" b="0" i="0" u="none" strike="noStrike" cap="none" normalizeH="0" baseline="0" smtClean="0">
                 <a:ln>
                   <a:noFill/>
                 </a:ln>
@@ -4835,7 +5215,7 @@
                 <a:latin typeface="Arial" panose="020B0604020202020204" pitchFamily="34" charset="0"/>
               </a:rPr>
             </a:br>
-            <a:endParaRPr kumimoji="0" lang="en-US" altLang="en-US" sz="1800" b="0" i="0" u="none" strike="noStrike" cap="none" normalizeH="0" baseline="0">
+            <a:endParaRPr kumimoji="0" lang="en-US" altLang="en-US" sz="1800" b="0" i="0" u="none" strike="noStrike" cap="none" normalizeH="0" baseline="0" smtClean="0">
               <a:ln>
                 <a:noFill/>
               </a:ln>
@@ -4848,16 +5228,88 @@
           </a:p>
         </p:txBody>
       </p:sp>
+      <p:sp>
+        <p:nvSpPr>
+          <p:cNvPr id="13" name="Прямоугольник 12"/>
+          <p:cNvSpPr/>
+          <p:nvPr/>
+        </p:nvSpPr>
+        <p:spPr>
+          <a:xfrm>
+            <a:off x="174140" y="922063"/>
+            <a:ext cx="8649820" cy="4154984"/>
+          </a:xfrm>
+          <a:prstGeom prst="rect">
+            <a:avLst/>
+          </a:prstGeom>
+        </p:spPr>
+        <p:txBody>
+          <a:bodyPr wrap="square">
+            <a:spAutoFit/>
+          </a:bodyPr>
+          <a:lstStyle/>
+          <a:p>
+            <a:pPr marL="457200" indent="-457200">
+              <a:buAutoNum type="arabicPeriod"/>
+            </a:pPr>
+            <a:r>
+              <a:rPr lang="ru-RU" sz="2400" dirty="0" smtClean="0"/>
+              <a:t>Используя данные </a:t>
+            </a:r>
+            <a:r>
+              <a:rPr lang="en-US" sz="2400" dirty="0">
+                <a:hlinkClick r:id="rId3"/>
+              </a:rPr>
+              <a:t>https://</a:t>
+            </a:r>
+            <a:r>
+              <a:rPr lang="en-US" sz="2400" dirty="0" smtClean="0">
+                <a:hlinkClick r:id="rId3"/>
+              </a:rPr>
+              <a:t>www.kaggle.com/martj42/international-football-results-from-1872-to-2017/data</a:t>
+            </a:r>
+            <a:r>
+              <a:rPr lang="ru-RU" sz="2400" dirty="0" smtClean="0"/>
+              <a:t> построить карту стран мира, в которых страны будут закрашены согласно количеству побед. Учитывать данные с 1995 года. </a:t>
+            </a:r>
+          </a:p>
+          <a:p>
+            <a:pPr marL="457200" indent="-457200">
+              <a:buAutoNum type="arabicPeriod"/>
+            </a:pPr>
+            <a:r>
+              <a:rPr lang="ru-RU" sz="2400" dirty="0" smtClean="0"/>
+              <a:t>Нужно выяснить, есть ли сезонная компонента в количестве осадков в Сиэтле. Градусы перевести в Цельсии. Есть ли корреляция между температурой и осадками? Составить прогноз осадков на 2018 год, оценить точность прогноза (</a:t>
+            </a:r>
+            <a:r>
+              <a:rPr lang="en-US" sz="2400" dirty="0"/>
+              <a:t>https://www.kaggle.com/rtatman/did-it-rain-in-seattle-19482017/data</a:t>
+            </a:r>
+            <a:r>
+              <a:rPr lang="ru-RU" sz="2400" dirty="0" smtClean="0"/>
+              <a:t>).</a:t>
+            </a:r>
+            <a:endParaRPr lang="en-US" sz="2400" dirty="0"/>
+          </a:p>
+        </p:txBody>
+      </p:sp>
     </p:spTree>
     <p:extLst>
       <p:ext uri="{BB962C8B-B14F-4D97-AF65-F5344CB8AC3E}">
-        <p14:creationId xmlns:p14="http://schemas.microsoft.com/office/powerpoint/2010/main" val="1971304010"/>
+        <p14:creationId xmlns:p14="http://schemas.microsoft.com/office/powerpoint/2010/main" val="1370444750"/>
       </p:ext>
     </p:extLst>
   </p:cSld>
   <p:clrMapOvr>
     <a:masterClrMapping/>
   </p:clrMapOvr>
+  <p:timing>
+    <p:tnLst>
+      <p:par>
+        <p:cTn id="1" dur="indefinite" restart="never" nodeType="tmRoot"/>
+      </p:par>
+    </p:tnLst>
+  </p:timing>
 </p:sld>
 </file>
 
